--- a/2015_2dgp_최종발표_2010182033_이승철.pptx
+++ b/2015_2dgp_최종발표_2010182033_이승철.pptx
@@ -199,7 +199,7 @@
           <a:p>
             <a:fld id="{0AC70CFD-CE26-4EE4-BA93-AD7B7381B3FA}" type="datetimeFigureOut">
               <a:rPr lang="ko-KR" altLang="en-US" smtClean="0"/>
-              <a:t>2015-12-11</a:t>
+              <a:t>2015-12-12</a:t>
             </a:fld>
             <a:endParaRPr lang="ko-KR" altLang="en-US"/>
           </a:p>
@@ -916,7 +916,7 @@
           <a:p>
             <a:fld id="{099DBDA3-210F-44E1-BA55-9F7DC701F59E}" type="datetimeFigureOut">
               <a:rPr lang="ko-KR" altLang="en-US" smtClean="0"/>
-              <a:t>2015-12-11</a:t>
+              <a:t>2015-12-12</a:t>
             </a:fld>
             <a:endParaRPr lang="ko-KR" altLang="en-US"/>
           </a:p>
@@ -1086,7 +1086,7 @@
           <a:p>
             <a:fld id="{099DBDA3-210F-44E1-BA55-9F7DC701F59E}" type="datetimeFigureOut">
               <a:rPr lang="ko-KR" altLang="en-US" smtClean="0"/>
-              <a:t>2015-12-11</a:t>
+              <a:t>2015-12-12</a:t>
             </a:fld>
             <a:endParaRPr lang="ko-KR" altLang="en-US"/>
           </a:p>
@@ -1266,7 +1266,7 @@
           <a:p>
             <a:fld id="{099DBDA3-210F-44E1-BA55-9F7DC701F59E}" type="datetimeFigureOut">
               <a:rPr lang="ko-KR" altLang="en-US" smtClean="0"/>
-              <a:t>2015-12-11</a:t>
+              <a:t>2015-12-12</a:t>
             </a:fld>
             <a:endParaRPr lang="ko-KR" altLang="en-US"/>
           </a:p>
@@ -1436,7 +1436,7 @@
           <a:p>
             <a:fld id="{099DBDA3-210F-44E1-BA55-9F7DC701F59E}" type="datetimeFigureOut">
               <a:rPr lang="ko-KR" altLang="en-US" smtClean="0"/>
-              <a:t>2015-12-11</a:t>
+              <a:t>2015-12-12</a:t>
             </a:fld>
             <a:endParaRPr lang="ko-KR" altLang="en-US"/>
           </a:p>
@@ -1682,7 +1682,7 @@
           <a:p>
             <a:fld id="{099DBDA3-210F-44E1-BA55-9F7DC701F59E}" type="datetimeFigureOut">
               <a:rPr lang="ko-KR" altLang="en-US" smtClean="0"/>
-              <a:t>2015-12-11</a:t>
+              <a:t>2015-12-12</a:t>
             </a:fld>
             <a:endParaRPr lang="ko-KR" altLang="en-US"/>
           </a:p>
@@ -1914,7 +1914,7 @@
           <a:p>
             <a:fld id="{099DBDA3-210F-44E1-BA55-9F7DC701F59E}" type="datetimeFigureOut">
               <a:rPr lang="ko-KR" altLang="en-US" smtClean="0"/>
-              <a:t>2015-12-11</a:t>
+              <a:t>2015-12-12</a:t>
             </a:fld>
             <a:endParaRPr lang="ko-KR" altLang="en-US"/>
           </a:p>
@@ -2281,7 +2281,7 @@
           <a:p>
             <a:fld id="{099DBDA3-210F-44E1-BA55-9F7DC701F59E}" type="datetimeFigureOut">
               <a:rPr lang="ko-KR" altLang="en-US" smtClean="0"/>
-              <a:t>2015-12-11</a:t>
+              <a:t>2015-12-12</a:t>
             </a:fld>
             <a:endParaRPr lang="ko-KR" altLang="en-US"/>
           </a:p>
@@ -2399,7 +2399,7 @@
           <a:p>
             <a:fld id="{099DBDA3-210F-44E1-BA55-9F7DC701F59E}" type="datetimeFigureOut">
               <a:rPr lang="ko-KR" altLang="en-US" smtClean="0"/>
-              <a:t>2015-12-11</a:t>
+              <a:t>2015-12-12</a:t>
             </a:fld>
             <a:endParaRPr lang="ko-KR" altLang="en-US"/>
           </a:p>
@@ -2494,7 +2494,7 @@
           <a:p>
             <a:fld id="{099DBDA3-210F-44E1-BA55-9F7DC701F59E}" type="datetimeFigureOut">
               <a:rPr lang="ko-KR" altLang="en-US" smtClean="0"/>
-              <a:t>2015-12-11</a:t>
+              <a:t>2015-12-12</a:t>
             </a:fld>
             <a:endParaRPr lang="ko-KR" altLang="en-US"/>
           </a:p>
@@ -2771,7 +2771,7 @@
           <a:p>
             <a:fld id="{099DBDA3-210F-44E1-BA55-9F7DC701F59E}" type="datetimeFigureOut">
               <a:rPr lang="ko-KR" altLang="en-US" smtClean="0"/>
-              <a:t>2015-12-11</a:t>
+              <a:t>2015-12-12</a:t>
             </a:fld>
             <a:endParaRPr lang="ko-KR" altLang="en-US"/>
           </a:p>
@@ -3024,7 +3024,7 @@
           <a:p>
             <a:fld id="{099DBDA3-210F-44E1-BA55-9F7DC701F59E}" type="datetimeFigureOut">
               <a:rPr lang="ko-KR" altLang="en-US" smtClean="0"/>
-              <a:t>2015-12-11</a:t>
+              <a:t>2015-12-12</a:t>
             </a:fld>
             <a:endParaRPr lang="ko-KR" altLang="en-US"/>
           </a:p>
@@ -3237,7 +3237,7 @@
           <a:p>
             <a:fld id="{099DBDA3-210F-44E1-BA55-9F7DC701F59E}" type="datetimeFigureOut">
               <a:rPr lang="ko-KR" altLang="en-US" smtClean="0"/>
-              <a:t>2015-12-11</a:t>
+              <a:t>2015-12-12</a:t>
             </a:fld>
             <a:endParaRPr lang="ko-KR" altLang="en-US"/>
           </a:p>
@@ -4182,7 +4182,7 @@
           <p:nvPr>
             <p:extLst>
               <p:ext uri="{D42A27DB-BD31-4B8C-83A1-F6EECF244321}">
-                <p14:modId xmlns:p14="http://schemas.microsoft.com/office/powerpoint/2010/main" val="1991258000"/>
+                <p14:modId xmlns:p14="http://schemas.microsoft.com/office/powerpoint/2010/main" val="2491761327"/>
               </p:ext>
             </p:extLst>
           </p:nvPr>
@@ -4779,13 +4779,6 @@
                         </a:rPr>
                         <a:t> </a:t>
                       </a:r>
-                      <a:r>
-                        <a:rPr lang="en-US" altLang="ko-KR" sz="1200" baseline="0" dirty="0" smtClean="0">
-                          <a:latin typeface="나눔바른고딕" panose="020B0603020101020101" pitchFamily="50" charset="-127"/>
-                          <a:ea typeface="나눔바른고딕" panose="020B0603020101020101" pitchFamily="50" charset="-127"/>
-                        </a:rPr>
-                        <a:t/>
-                      </a:r>
                       <a:br>
                         <a:rPr lang="en-US" altLang="ko-KR" sz="1200" baseline="0" dirty="0" smtClean="0">
                           <a:latin typeface="나눔바른고딕" panose="020B0603020101020101" pitchFamily="50" charset="-127"/>
@@ -4904,10 +4897,6 @@
                         </a:rPr>
                         <a:t>100%</a:t>
                       </a:r>
-                      <a:endParaRPr lang="en-US" altLang="ko-KR" sz="1200" dirty="0" smtClean="0">
-                        <a:latin typeface="나눔바른고딕" panose="020B0603020101020101" pitchFamily="50" charset="-127"/>
-                        <a:ea typeface="나눔바른고딕" panose="020B0603020101020101" pitchFamily="50" charset="-127"/>
-                      </a:endParaRPr>
                     </a:p>
                   </a:txBody>
                   <a:tcPr anchor="ctr"/>
@@ -4974,25 +4963,18 @@
                         <a:defRPr/>
                       </a:pPr>
                       <a:r>
+                        <a:rPr lang="ko-KR" altLang="en-US" sz="1200" smtClean="0">
+                          <a:latin typeface="나눔바른고딕" panose="020B0603020101020101" pitchFamily="50" charset="-127"/>
+                          <a:ea typeface="나눔바른고딕" panose="020B0603020101020101" pitchFamily="50" charset="-127"/>
+                        </a:rPr>
+                        <a:t>빗방울 </a:t>
+                      </a:r>
+                      <a:r>
                         <a:rPr lang="ko-KR" altLang="en-US" sz="1200" dirty="0" smtClean="0">
                           <a:latin typeface="나눔바른고딕" panose="020B0603020101020101" pitchFamily="50" charset="-127"/>
                           <a:ea typeface="나눔바른고딕" panose="020B0603020101020101" pitchFamily="50" charset="-127"/>
                         </a:rPr>
-                        <a:t>바람 </a:t>
-                      </a:r>
-                      <a:r>
-                        <a:rPr lang="ko-KR" altLang="en-US" sz="1200" dirty="0" smtClean="0">
-                          <a:latin typeface="나눔바른고딕" panose="020B0603020101020101" pitchFamily="50" charset="-127"/>
-                          <a:ea typeface="나눔바른고딕" panose="020B0603020101020101" pitchFamily="50" charset="-127"/>
-                        </a:rPr>
-                        <a:t>형태의 </a:t>
-                      </a:r>
-                      <a:r>
-                        <a:rPr lang="ko-KR" altLang="en-US" sz="1200" dirty="0" smtClean="0">
-                          <a:latin typeface="나눔바른고딕" panose="020B0603020101020101" pitchFamily="50" charset="-127"/>
-                          <a:ea typeface="나눔바른고딕" panose="020B0603020101020101" pitchFamily="50" charset="-127"/>
-                        </a:rPr>
-                        <a:t>몬스터</a:t>
+                        <a:t>형태의 몬스터</a:t>
                       </a:r>
                       <a:r>
                         <a:rPr lang="en-US" altLang="ko-KR" sz="1200" dirty="0" smtClean="0">
@@ -5145,21 +5127,7 @@
                           <a:latin typeface="나눔바른고딕" panose="020B0603020101020101" pitchFamily="50" charset="-127"/>
                           <a:ea typeface="나눔바른고딕" panose="020B0603020101020101" pitchFamily="50" charset="-127"/>
                         </a:rPr>
-                        <a:t> </a:t>
-                      </a:r>
-                      <a:r>
-                        <a:rPr lang="ko-KR" altLang="en-US" sz="1200" baseline="0" dirty="0" smtClean="0">
-                          <a:latin typeface="나눔바른고딕" panose="020B0603020101020101" pitchFamily="50" charset="-127"/>
-                          <a:ea typeface="나눔바른고딕" panose="020B0603020101020101" pitchFamily="50" charset="-127"/>
-                        </a:rPr>
-                        <a:t>형태의 </a:t>
-                      </a:r>
-                      <a:r>
-                        <a:rPr lang="ko-KR" altLang="en-US" sz="1200" baseline="0" dirty="0" smtClean="0">
-                          <a:latin typeface="나눔바른고딕" panose="020B0603020101020101" pitchFamily="50" charset="-127"/>
-                          <a:ea typeface="나눔바른고딕" panose="020B0603020101020101" pitchFamily="50" charset="-127"/>
-                        </a:rPr>
-                        <a:t>몬스터</a:t>
+                        <a:t> 형태의 몬스터</a:t>
                       </a:r>
                       <a:r>
                         <a:rPr lang="en-US" altLang="ko-KR" sz="1200" baseline="0" dirty="0" smtClean="0">
@@ -5213,21 +5181,7 @@
                           <a:latin typeface="나눔바른고딕" panose="020B0603020101020101" pitchFamily="50" charset="-127"/>
                           <a:ea typeface="나눔바른고딕" panose="020B0603020101020101" pitchFamily="50" charset="-127"/>
                         </a:rPr>
-                        <a:t>플레이어를 </a:t>
-                      </a:r>
-                      <a:r>
-                        <a:rPr lang="ko-KR" altLang="en-US" sz="1000" baseline="0" dirty="0" smtClean="0">
-                          <a:latin typeface="나눔바른고딕" panose="020B0603020101020101" pitchFamily="50" charset="-127"/>
-                          <a:ea typeface="나눔바른고딕" panose="020B0603020101020101" pitchFamily="50" charset="-127"/>
-                        </a:rPr>
-                        <a:t>느리게 만들며 죽지 </a:t>
-                      </a:r>
-                      <a:r>
-                        <a:rPr lang="ko-KR" altLang="en-US" sz="1000" baseline="0" dirty="0" smtClean="0">
-                          <a:latin typeface="나눔바른고딕" panose="020B0603020101020101" pitchFamily="50" charset="-127"/>
-                          <a:ea typeface="나눔바른고딕" panose="020B0603020101020101" pitchFamily="50" charset="-127"/>
-                        </a:rPr>
-                        <a:t>않음</a:t>
+                        <a:t>플레이어를 느리게 만들며 죽지 않음</a:t>
                       </a:r>
                       <a:r>
                         <a:rPr lang="en-US" altLang="ko-KR" sz="1000" baseline="0" dirty="0" smtClean="0">
@@ -5550,10 +5504,6 @@
                         </a:rPr>
                         <a:t>95%</a:t>
                       </a:r>
-                      <a:endParaRPr lang="en-US" altLang="ko-KR" sz="1200" dirty="0" smtClean="0">
-                        <a:latin typeface="나눔바른고딕" panose="020B0603020101020101" pitchFamily="50" charset="-127"/>
-                        <a:ea typeface="나눔바른고딕" panose="020B0603020101020101" pitchFamily="50" charset="-127"/>
-                      </a:endParaRPr>
                     </a:p>
                   </a:txBody>
                   <a:tcPr anchor="ctr"/>
@@ -5955,10 +5905,6 @@
                         </a:rPr>
                         <a:t>100%</a:t>
                       </a:r>
-                      <a:endParaRPr lang="en-US" altLang="ko-KR" sz="1200" dirty="0" smtClean="0">
-                        <a:latin typeface="나눔바른고딕" panose="020B0603020101020101" pitchFamily="50" charset="-127"/>
-                        <a:ea typeface="나눔바른고딕" panose="020B0603020101020101" pitchFamily="50" charset="-127"/>
-                      </a:endParaRPr>
                     </a:p>
                   </a:txBody>
                   <a:tcPr anchor="ctr"/>

--- a/2015_2dgp_최종발표_2010182033_이승철.pptx
+++ b/2015_2dgp_최종발표_2010182033_이승철.pptx
@@ -3944,6 +3944,14 @@
   <p:clrMapOvr>
     <a:masterClrMapping/>
   </p:clrMapOvr>
+  <mc:AlternateContent xmlns:mc="http://schemas.openxmlformats.org/markup-compatibility/2006">
+    <mc:Choice xmlns:p14="http://schemas.microsoft.com/office/powerpoint/2010/main" Requires="p14">
+      <p:transition spd="slow" p14:dur="2000"/>
+    </mc:Choice>
+    <mc:Fallback>
+      <p:transition spd="slow"/>
+    </mc:Fallback>
+  </mc:AlternateContent>
   <p:timing>
     <p:tnLst>
       <p:par>
@@ -4182,7 +4190,7 @@
           <p:nvPr>
             <p:extLst>
               <p:ext uri="{D42A27DB-BD31-4B8C-83A1-F6EECF244321}">
-                <p14:modId xmlns:p14="http://schemas.microsoft.com/office/powerpoint/2010/main" val="2491761327"/>
+                <p14:modId xmlns:p14="http://schemas.microsoft.com/office/powerpoint/2010/main" val="1077682716"/>
               </p:ext>
             </p:extLst>
           </p:nvPr>
@@ -5899,12 +5907,16 @@
                     <a:p>
                       <a:pPr algn="ctr" latinLnBrk="1"/>
                       <a:r>
-                        <a:rPr lang="en-US" altLang="ko-KR" sz="1200" dirty="0" smtClean="0">
-                          <a:latin typeface="나눔바른고딕" panose="020B0603020101020101" pitchFamily="50" charset="-127"/>
-                          <a:ea typeface="나눔바른고딕" panose="020B0603020101020101" pitchFamily="50" charset="-127"/>
-                        </a:rPr>
-                        <a:t>100%</a:t>
-                      </a:r>
+                        <a:rPr lang="en-US" altLang="ko-KR" sz="1200" smtClean="0">
+                          <a:latin typeface="나눔바른고딕" panose="020B0603020101020101" pitchFamily="50" charset="-127"/>
+                          <a:ea typeface="나눔바른고딕" panose="020B0603020101020101" pitchFamily="50" charset="-127"/>
+                        </a:rPr>
+                        <a:t>90%</a:t>
+                      </a:r>
+                      <a:endParaRPr lang="en-US" altLang="ko-KR" sz="1200" dirty="0" smtClean="0">
+                        <a:latin typeface="나눔바른고딕" panose="020B0603020101020101" pitchFamily="50" charset="-127"/>
+                        <a:ea typeface="나눔바른고딕" panose="020B0603020101020101" pitchFamily="50" charset="-127"/>
+                      </a:endParaRPr>
                     </a:p>
                   </a:txBody>
                   <a:tcPr anchor="ctr"/>
@@ -6128,6 +6140,14 @@
   <p:clrMapOvr>
     <a:masterClrMapping/>
   </p:clrMapOvr>
+  <mc:AlternateContent xmlns:mc="http://schemas.openxmlformats.org/markup-compatibility/2006">
+    <mc:Choice xmlns:p14="http://schemas.microsoft.com/office/powerpoint/2010/main" Requires="p14">
+      <p:transition spd="slow" p14:dur="2000"/>
+    </mc:Choice>
+    <mc:Fallback>
+      <p:transition spd="slow"/>
+    </mc:Fallback>
+  </mc:AlternateContent>
   <p:timing>
     <p:tnLst>
       <p:par>
@@ -6289,6 +6309,14 @@
   <p:clrMapOvr>
     <a:masterClrMapping/>
   </p:clrMapOvr>
+  <mc:AlternateContent xmlns:mc="http://schemas.openxmlformats.org/markup-compatibility/2006">
+    <mc:Choice xmlns:p14="http://schemas.microsoft.com/office/powerpoint/2010/main" Requires="p14">
+      <p:transition spd="slow" p14:dur="2000"/>
+    </mc:Choice>
+    <mc:Fallback>
+      <p:transition spd="slow"/>
+    </mc:Fallback>
+  </mc:AlternateContent>
   <p:timing>
     <p:tnLst>
       <p:par>
